--- a/TypeScript/TypeScript.pptx
+++ b/TypeScript/TypeScript.pptx
@@ -29,7 +29,6 @@
     <p:sldId id="277" r:id="rId23"/>
     <p:sldId id="279" r:id="rId24"/>
     <p:sldId id="278" r:id="rId25"/>
-    <p:sldId id="281" r:id="rId26"/>
   </p:sldIdLst>
   <p:sldSz cx="12192000" cy="6858000"/>
   <p:notesSz cx="6858000" cy="9144000"/>
@@ -322,7 +321,7 @@
           <a:p>
             <a:fld id="{35F56F2D-7B12-4852-A3C6-8908BB0752BF}" type="datetimeFigureOut">
               <a:rPr lang="zh-CN" altLang="en-US" smtClean="0"/>
-              <a:t>2019/11/28</a:t>
+              <a:t>2019/11/29</a:t>
             </a:fld>
             <a:endParaRPr lang="zh-CN" altLang="en-US"/>
           </a:p>
@@ -597,7 +596,7 @@
           <a:p>
             <a:fld id="{35F56F2D-7B12-4852-A3C6-8908BB0752BF}" type="datetimeFigureOut">
               <a:rPr lang="zh-CN" altLang="en-US" smtClean="0"/>
-              <a:t>2019/11/28</a:t>
+              <a:t>2019/11/29</a:t>
             </a:fld>
             <a:endParaRPr lang="zh-CN" altLang="en-US"/>
           </a:p>
@@ -791,7 +790,7 @@
           <a:p>
             <a:fld id="{35F56F2D-7B12-4852-A3C6-8908BB0752BF}" type="datetimeFigureOut">
               <a:rPr lang="zh-CN" altLang="en-US" smtClean="0"/>
-              <a:t>2019/11/28</a:t>
+              <a:t>2019/11/29</a:t>
             </a:fld>
             <a:endParaRPr lang="zh-CN" altLang="en-US"/>
           </a:p>
@@ -1064,7 +1063,7 @@
           <a:p>
             <a:fld id="{35F56F2D-7B12-4852-A3C6-8908BB0752BF}" type="datetimeFigureOut">
               <a:rPr lang="zh-CN" altLang="en-US" smtClean="0"/>
-              <a:t>2019/11/28</a:t>
+              <a:t>2019/11/29</a:t>
             </a:fld>
             <a:endParaRPr lang="zh-CN" altLang="en-US"/>
           </a:p>
@@ -1405,7 +1404,7 @@
           <a:p>
             <a:fld id="{35F56F2D-7B12-4852-A3C6-8908BB0752BF}" type="datetimeFigureOut">
               <a:rPr lang="zh-CN" altLang="en-US" smtClean="0"/>
-              <a:t>2019/11/28</a:t>
+              <a:t>2019/11/29</a:t>
             </a:fld>
             <a:endParaRPr lang="zh-CN" altLang="en-US"/>
           </a:p>
@@ -2028,7 +2027,7 @@
           <a:p>
             <a:fld id="{35F56F2D-7B12-4852-A3C6-8908BB0752BF}" type="datetimeFigureOut">
               <a:rPr lang="zh-CN" altLang="en-US" smtClean="0"/>
-              <a:t>2019/11/28</a:t>
+              <a:t>2019/11/29</a:t>
             </a:fld>
             <a:endParaRPr lang="zh-CN" altLang="en-US"/>
           </a:p>
@@ -2888,7 +2887,7 @@
           <a:p>
             <a:fld id="{35F56F2D-7B12-4852-A3C6-8908BB0752BF}" type="datetimeFigureOut">
               <a:rPr lang="zh-CN" altLang="en-US" smtClean="0"/>
-              <a:t>2019/11/28</a:t>
+              <a:t>2019/11/29</a:t>
             </a:fld>
             <a:endParaRPr lang="zh-CN" altLang="en-US"/>
           </a:p>
@@ -3058,7 +3057,7 @@
           <a:p>
             <a:fld id="{35F56F2D-7B12-4852-A3C6-8908BB0752BF}" type="datetimeFigureOut">
               <a:rPr lang="zh-CN" altLang="en-US" smtClean="0"/>
-              <a:t>2019/11/28</a:t>
+              <a:t>2019/11/29</a:t>
             </a:fld>
             <a:endParaRPr lang="zh-CN" altLang="en-US"/>
           </a:p>
@@ -3238,7 +3237,7 @@
           <a:p>
             <a:fld id="{35F56F2D-7B12-4852-A3C6-8908BB0752BF}" type="datetimeFigureOut">
               <a:rPr lang="zh-CN" altLang="en-US" smtClean="0"/>
-              <a:t>2019/11/28</a:t>
+              <a:t>2019/11/29</a:t>
             </a:fld>
             <a:endParaRPr lang="zh-CN" altLang="en-US"/>
           </a:p>
@@ -3408,7 +3407,7 @@
           <a:p>
             <a:fld id="{35F56F2D-7B12-4852-A3C6-8908BB0752BF}" type="datetimeFigureOut">
               <a:rPr lang="zh-CN" altLang="en-US" smtClean="0"/>
-              <a:t>2019/11/28</a:t>
+              <a:t>2019/11/29</a:t>
             </a:fld>
             <a:endParaRPr lang="zh-CN" altLang="en-US"/>
           </a:p>
@@ -3655,7 +3654,7 @@
           <a:p>
             <a:fld id="{35F56F2D-7B12-4852-A3C6-8908BB0752BF}" type="datetimeFigureOut">
               <a:rPr lang="zh-CN" altLang="en-US" smtClean="0"/>
-              <a:t>2019/11/28</a:t>
+              <a:t>2019/11/29</a:t>
             </a:fld>
             <a:endParaRPr lang="zh-CN" altLang="en-US"/>
           </a:p>
@@ -3947,7 +3946,7 @@
           <a:p>
             <a:fld id="{35F56F2D-7B12-4852-A3C6-8908BB0752BF}" type="datetimeFigureOut">
               <a:rPr lang="zh-CN" altLang="en-US" smtClean="0"/>
-              <a:t>2019/11/28</a:t>
+              <a:t>2019/11/29</a:t>
             </a:fld>
             <a:endParaRPr lang="zh-CN" altLang="en-US"/>
           </a:p>
@@ -4391,7 +4390,7 @@
           <a:p>
             <a:fld id="{35F56F2D-7B12-4852-A3C6-8908BB0752BF}" type="datetimeFigureOut">
               <a:rPr lang="zh-CN" altLang="en-US" smtClean="0"/>
-              <a:t>2019/11/28</a:t>
+              <a:t>2019/11/29</a:t>
             </a:fld>
             <a:endParaRPr lang="zh-CN" altLang="en-US"/>
           </a:p>
@@ -4509,7 +4508,7 @@
           <a:p>
             <a:fld id="{35F56F2D-7B12-4852-A3C6-8908BB0752BF}" type="datetimeFigureOut">
               <a:rPr lang="zh-CN" altLang="en-US" smtClean="0"/>
-              <a:t>2019/11/28</a:t>
+              <a:t>2019/11/29</a:t>
             </a:fld>
             <a:endParaRPr lang="zh-CN" altLang="en-US"/>
           </a:p>
@@ -4604,7 +4603,7 @@
           <a:p>
             <a:fld id="{35F56F2D-7B12-4852-A3C6-8908BB0752BF}" type="datetimeFigureOut">
               <a:rPr lang="zh-CN" altLang="en-US" smtClean="0"/>
-              <a:t>2019/11/28</a:t>
+              <a:t>2019/11/29</a:t>
             </a:fld>
             <a:endParaRPr lang="zh-CN" altLang="en-US"/>
           </a:p>
@@ -4883,7 +4882,7 @@
           <a:p>
             <a:fld id="{35F56F2D-7B12-4852-A3C6-8908BB0752BF}" type="datetimeFigureOut">
               <a:rPr lang="zh-CN" altLang="en-US" smtClean="0"/>
-              <a:t>2019/11/28</a:t>
+              <a:t>2019/11/29</a:t>
             </a:fld>
             <a:endParaRPr lang="zh-CN" altLang="en-US"/>
           </a:p>
@@ -5158,7 +5157,7 @@
           <a:p>
             <a:fld id="{35F56F2D-7B12-4852-A3C6-8908BB0752BF}" type="datetimeFigureOut">
               <a:rPr lang="zh-CN" altLang="en-US" smtClean="0"/>
-              <a:t>2019/11/28</a:t>
+              <a:t>2019/11/29</a:t>
             </a:fld>
             <a:endParaRPr lang="zh-CN" altLang="en-US"/>
           </a:p>
@@ -5587,7 +5586,7 @@
           <a:p>
             <a:fld id="{35F56F2D-7B12-4852-A3C6-8908BB0752BF}" type="datetimeFigureOut">
               <a:rPr lang="zh-CN" altLang="en-US" smtClean="0"/>
-              <a:t>2019/11/28</a:t>
+              <a:t>2019/11/29</a:t>
             </a:fld>
             <a:endParaRPr lang="zh-CN" altLang="en-US"/>
           </a:p>
@@ -8707,144 +8706,6 @@
 </p:sld>
 </file>
 
-<file path=ppt/slides/slide25.xml><?xml version="1.0" encoding="utf-8"?>
-<p:sld xmlns:a="http://schemas.openxmlformats.org/drawingml/2006/main" xmlns:r="http://schemas.openxmlformats.org/officeDocument/2006/relationships" xmlns:p="http://schemas.openxmlformats.org/presentationml/2006/main">
-  <p:cSld>
-    <p:spTree>
-      <p:nvGrpSpPr>
-        <p:cNvPr id="1" name=""/>
-        <p:cNvGrpSpPr/>
-        <p:nvPr/>
-      </p:nvGrpSpPr>
-      <p:grpSpPr>
-        <a:xfrm>
-          <a:off x="0" y="0"/>
-          <a:ext cx="0" cy="0"/>
-          <a:chOff x="0" y="0"/>
-          <a:chExt cx="0" cy="0"/>
-        </a:xfrm>
-      </p:grpSpPr>
-      <p:sp>
-        <p:nvSpPr>
-          <p:cNvPr id="2" name="标题 1">
-            <a:extLst>
-              <a:ext uri="{FF2B5EF4-FFF2-40B4-BE49-F238E27FC236}">
-                <a16:creationId xmlns:a16="http://schemas.microsoft.com/office/drawing/2014/main" id="{D3C47A16-5228-2342-931D-2544156DBA0C}"/>
-              </a:ext>
-            </a:extLst>
-          </p:cNvPr>
-          <p:cNvSpPr>
-            <a:spLocks noGrp="1"/>
-          </p:cNvSpPr>
-          <p:nvPr>
-            <p:ph type="title"/>
-          </p:nvPr>
-        </p:nvSpPr>
-        <p:spPr>
-          <a:xfrm>
-            <a:off x="646111" y="452718"/>
-            <a:ext cx="9404723" cy="771520"/>
-          </a:xfrm>
-        </p:spPr>
-        <p:txBody>
-          <a:bodyPr/>
-          <a:lstStyle/>
-          <a:p>
-            <a:r>
-              <a:rPr kumimoji="1" lang="zh-CN" altLang="en-US" dirty="0"/>
-              <a:t>编译 </a:t>
-            </a:r>
-            <a:r>
-              <a:rPr kumimoji="1" lang="en-US" altLang="zh-CN" dirty="0" err="1"/>
-              <a:t>tsc</a:t>
-            </a:r>
-            <a:endParaRPr kumimoji="1" lang="zh-CN" altLang="en-US" dirty="0"/>
-          </a:p>
-        </p:txBody>
-      </p:sp>
-      <p:sp>
-        <p:nvSpPr>
-          <p:cNvPr id="3" name="内容占位符 2">
-            <a:extLst>
-              <a:ext uri="{FF2B5EF4-FFF2-40B4-BE49-F238E27FC236}">
-                <a16:creationId xmlns:a16="http://schemas.microsoft.com/office/drawing/2014/main" id="{60B8999C-86F4-994A-856F-0265E2A107C0}"/>
-              </a:ext>
-            </a:extLst>
-          </p:cNvPr>
-          <p:cNvSpPr>
-            <a:spLocks noGrp="1"/>
-          </p:cNvSpPr>
-          <p:nvPr>
-            <p:ph idx="1"/>
-          </p:nvPr>
-        </p:nvSpPr>
-        <p:spPr>
-          <a:xfrm>
-            <a:off x="589435" y="1367822"/>
-            <a:ext cx="8946541" cy="4782336"/>
-          </a:xfrm>
-        </p:spPr>
-        <p:txBody>
-          <a:bodyPr/>
-          <a:lstStyle/>
-          <a:p>
-            <a:pPr marL="0" indent="0">
-              <a:buNone/>
-            </a:pPr>
-            <a:r>
-              <a:rPr kumimoji="1" lang="en-US" altLang="zh-CN" dirty="0"/>
-              <a:t>1</a:t>
-            </a:r>
-            <a:r>
-              <a:rPr kumimoji="1" lang="zh-CN" altLang="en-US" dirty="0"/>
-              <a:t>、</a:t>
-            </a:r>
-            <a:r>
-              <a:rPr kumimoji="1" lang="en-US" altLang="zh-CN" dirty="0" err="1"/>
-              <a:t>tsc</a:t>
-            </a:r>
-            <a:r>
-              <a:rPr kumimoji="1" lang="zh-CN" altLang="en-US" dirty="0"/>
-              <a:t> ***</a:t>
-            </a:r>
-            <a:r>
-              <a:rPr kumimoji="1" lang="en-US" altLang="zh-CN" dirty="0"/>
-              <a:t>.</a:t>
-            </a:r>
-            <a:r>
-              <a:rPr kumimoji="1" lang="en-US" altLang="zh-CN" dirty="0" err="1"/>
-              <a:t>ts</a:t>
-            </a:r>
-            <a:endParaRPr kumimoji="1" lang="en-US" altLang="zh-CN" dirty="0"/>
-          </a:p>
-          <a:p>
-            <a:pPr marL="0" indent="0">
-              <a:buNone/>
-            </a:pPr>
-            <a:r>
-              <a:rPr kumimoji="1" lang="en-US" altLang="zh-CN" dirty="0"/>
-              <a:t>2</a:t>
-            </a:r>
-            <a:r>
-              <a:rPr kumimoji="1" lang="zh-CN" altLang="en-US" dirty="0"/>
-              <a:t>、</a:t>
-            </a:r>
-          </a:p>
-        </p:txBody>
-      </p:sp>
-    </p:spTree>
-    <p:extLst>
-      <p:ext uri="{BB962C8B-B14F-4D97-AF65-F5344CB8AC3E}">
-        <p14:creationId xmlns:p14="http://schemas.microsoft.com/office/powerpoint/2010/main" val="2601370993"/>
-      </p:ext>
-    </p:extLst>
-  </p:cSld>
-  <p:clrMapOvr>
-    <a:masterClrMapping/>
-  </p:clrMapOvr>
-</p:sld>
-</file>
-
 <file path=ppt/slides/slide3.xml><?xml version="1.0" encoding="utf-8"?>
 <p:sld xmlns:a="http://schemas.openxmlformats.org/drawingml/2006/main" xmlns:r="http://schemas.openxmlformats.org/officeDocument/2006/relationships" xmlns:p="http://schemas.openxmlformats.org/presentationml/2006/main">
   <p:cSld>
